--- a/Cours/00_PriseEnMain/00_Prise_En_Main.pptx
+++ b/Cours/00_PriseEnMain/00_Prise_En_Main.pptx
@@ -357,7 +357,7 @@
           <a:p>
             <a:fld id="{D7F135F6-2A09-4FDD-9ECA-096E230CA0FA}" type="datetimeFigureOut">
               <a:rPr lang="fr-FR" smtClean="0"/>
-              <a:t>01/09/2023</a:t>
+              <a:t>07/09/2023</a:t>
             </a:fld>
             <a:endParaRPr lang="fr-FR"/>
           </a:p>
@@ -562,7 +562,7 @@
           <a:p>
             <a:fld id="{D7F135F6-2A09-4FDD-9ECA-096E230CA0FA}" type="datetimeFigureOut">
               <a:rPr lang="fr-FR" smtClean="0"/>
-              <a:t>01/09/2023</a:t>
+              <a:t>07/09/2023</a:t>
             </a:fld>
             <a:endParaRPr lang="fr-FR"/>
           </a:p>
@@ -818,7 +818,7 @@
           <a:p>
             <a:fld id="{D7F135F6-2A09-4FDD-9ECA-096E230CA0FA}" type="datetimeFigureOut">
               <a:rPr lang="fr-FR" smtClean="0"/>
-              <a:t>01/09/2023</a:t>
+              <a:t>07/09/2023</a:t>
             </a:fld>
             <a:endParaRPr lang="fr-FR"/>
           </a:p>
@@ -1024,7 +1024,7 @@
           <a:p>
             <a:fld id="{D7F135F6-2A09-4FDD-9ECA-096E230CA0FA}" type="datetimeFigureOut">
               <a:rPr lang="fr-FR" smtClean="0"/>
-              <a:t>01/09/2023</a:t>
+              <a:t>07/09/2023</a:t>
             </a:fld>
             <a:endParaRPr lang="fr-FR"/>
           </a:p>
@@ -1386,7 +1386,7 @@
           <a:p>
             <a:fld id="{D7F135F6-2A09-4FDD-9ECA-096E230CA0FA}" type="datetimeFigureOut">
               <a:rPr lang="fr-FR" smtClean="0"/>
-              <a:t>01/09/2023</a:t>
+              <a:t>07/09/2023</a:t>
             </a:fld>
             <a:endParaRPr lang="fr-FR"/>
           </a:p>
@@ -1661,7 +1661,7 @@
           <a:p>
             <a:fld id="{D7F135F6-2A09-4FDD-9ECA-096E230CA0FA}" type="datetimeFigureOut">
               <a:rPr lang="fr-FR" smtClean="0"/>
-              <a:t>01/09/2023</a:t>
+              <a:t>07/09/2023</a:t>
             </a:fld>
             <a:endParaRPr lang="fr-FR"/>
           </a:p>
@@ -2040,7 +2040,7 @@
           <a:p>
             <a:fld id="{D7F135F6-2A09-4FDD-9ECA-096E230CA0FA}" type="datetimeFigureOut">
               <a:rPr lang="fr-FR" smtClean="0"/>
-              <a:t>01/09/2023</a:t>
+              <a:t>07/09/2023</a:t>
             </a:fld>
             <a:endParaRPr lang="fr-FR"/>
           </a:p>
@@ -2158,7 +2158,7 @@
           <a:p>
             <a:fld id="{D7F135F6-2A09-4FDD-9ECA-096E230CA0FA}" type="datetimeFigureOut">
               <a:rPr lang="fr-FR" smtClean="0"/>
-              <a:t>01/09/2023</a:t>
+              <a:t>07/09/2023</a:t>
             </a:fld>
             <a:endParaRPr lang="fr-FR"/>
           </a:p>
@@ -2332,7 +2332,7 @@
           <a:p>
             <a:fld id="{D7F135F6-2A09-4FDD-9ECA-096E230CA0FA}" type="datetimeFigureOut">
               <a:rPr lang="fr-FR" smtClean="0"/>
-              <a:t>01/09/2023</a:t>
+              <a:t>07/09/2023</a:t>
             </a:fld>
             <a:endParaRPr lang="fr-FR"/>
           </a:p>
@@ -2689,7 +2689,7 @@
           <a:p>
             <a:fld id="{D7F135F6-2A09-4FDD-9ECA-096E230CA0FA}" type="datetimeFigureOut">
               <a:rPr lang="fr-FR" smtClean="0"/>
-              <a:t>01/09/2023</a:t>
+              <a:t>07/09/2023</a:t>
             </a:fld>
             <a:endParaRPr lang="fr-FR"/>
           </a:p>
@@ -3074,7 +3074,7 @@
           <a:p>
             <a:fld id="{D7F135F6-2A09-4FDD-9ECA-096E230CA0FA}" type="datetimeFigureOut">
               <a:rPr lang="fr-FR" smtClean="0"/>
-              <a:t>01/09/2023</a:t>
+              <a:t>07/09/2023</a:t>
             </a:fld>
             <a:endParaRPr lang="fr-FR"/>
           </a:p>
@@ -3364,7 +3364,7 @@
           <a:p>
             <a:fld id="{D7F135F6-2A09-4FDD-9ECA-096E230CA0FA}" type="datetimeFigureOut">
               <a:rPr lang="fr-FR" smtClean="0"/>
-              <a:t>01/09/2023</a:t>
+              <a:t>07/09/2023</a:t>
             </a:fld>
             <a:endParaRPr lang="fr-FR" dirty="0"/>
           </a:p>
@@ -4066,7 +4066,7 @@
                 </a:solidFill>
                 <a:hlinkClick r:id="rId4"/>
               </a:rPr>
-              <a:t>https://ptsilamartin.github.io/info.html</a:t>
+              <a:t>https://ptsilamartin.github.io</a:t>
             </a:r>
             <a:endParaRPr lang="fr-FR" sz="2400" b="1" dirty="0">
               <a:solidFill>
